--- a/Weview Intro.pptx
+++ b/Weview Intro.pptx
@@ -108,6 +108,11 @@
       </a:defRPr>
     </a:lvl9pPr>
   </p:defaultTextStyle>
+  <p:extLst>
+    <p:ext uri="{EFAFB233-063F-42B5-8137-9DF3F51BA10A}">
+      <p15:sldGuideLst xmlns:p15="http://schemas.microsoft.com/office/powerpoint/2012/main"/>
+    </p:ext>
+  </p:extLst>
 </p:presentation>
 </file>
 
@@ -250,7 +255,7 @@
           <a:p>
             <a:fld id="{48A87A34-81AB-432B-8DAE-1953F412C126}" type="datetimeFigureOut">
               <a:rPr lang="en-US" dirty="0"/>
-              <a:t>2/11/2019</a:t>
+              <a:t>2/13/2019</a:t>
             </a:fld>
             <a:endParaRPr lang="en-US" dirty="0"/>
           </a:p>
@@ -456,7 +461,7 @@
           <a:p>
             <a:fld id="{48A87A34-81AB-432B-8DAE-1953F412C126}" type="datetimeFigureOut">
               <a:rPr lang="en-US" dirty="0"/>
-              <a:t>2/11/2019</a:t>
+              <a:t>2/13/2019</a:t>
             </a:fld>
             <a:endParaRPr lang="en-US" dirty="0"/>
           </a:p>
@@ -666,7 +671,7 @@
           <a:p>
             <a:fld id="{48A87A34-81AB-432B-8DAE-1953F412C126}" type="datetimeFigureOut">
               <a:rPr lang="en-US" dirty="0"/>
-              <a:t>2/11/2019</a:t>
+              <a:t>2/13/2019</a:t>
             </a:fld>
             <a:endParaRPr lang="en-US" dirty="0"/>
           </a:p>
@@ -862,7 +867,7 @@
           <a:p>
             <a:fld id="{48A87A34-81AB-432B-8DAE-1953F412C126}" type="datetimeFigureOut">
               <a:rPr lang="en-US" dirty="0"/>
-              <a:t>2/11/2019</a:t>
+              <a:t>2/13/2019</a:t>
             </a:fld>
             <a:endParaRPr lang="en-US" dirty="0"/>
           </a:p>
@@ -1136,7 +1141,7 @@
           <a:p>
             <a:fld id="{48A87A34-81AB-432B-8DAE-1953F412C126}" type="datetimeFigureOut">
               <a:rPr lang="en-US" dirty="0"/>
-              <a:t>2/11/2019</a:t>
+              <a:t>2/13/2019</a:t>
             </a:fld>
             <a:endParaRPr lang="en-US" dirty="0"/>
           </a:p>
@@ -1399,7 +1404,7 @@
           <a:p>
             <a:fld id="{48A87A34-81AB-432B-8DAE-1953F412C126}" type="datetimeFigureOut">
               <a:rPr lang="en-US" dirty="0"/>
-              <a:t>2/11/2019</a:t>
+              <a:t>2/13/2019</a:t>
             </a:fld>
             <a:endParaRPr lang="en-US" dirty="0"/>
           </a:p>
@@ -1810,7 +1815,7 @@
           <a:p>
             <a:fld id="{48A87A34-81AB-432B-8DAE-1953F412C126}" type="datetimeFigureOut">
               <a:rPr lang="en-US" dirty="0"/>
-              <a:t>2/11/2019</a:t>
+              <a:t>2/13/2019</a:t>
             </a:fld>
             <a:endParaRPr lang="en-US" dirty="0"/>
           </a:p>
@@ -1954,7 +1959,7 @@
           <a:p>
             <a:fld id="{48A87A34-81AB-432B-8DAE-1953F412C126}" type="datetimeFigureOut">
               <a:rPr lang="en-US" dirty="0"/>
-              <a:t>2/11/2019</a:t>
+              <a:t>2/13/2019</a:t>
             </a:fld>
             <a:endParaRPr lang="en-US" dirty="0"/>
           </a:p>
@@ -2075,7 +2080,7 @@
           <a:p>
             <a:fld id="{48A87A34-81AB-432B-8DAE-1953F412C126}" type="datetimeFigureOut">
               <a:rPr lang="en-US" dirty="0"/>
-              <a:t>2/11/2019</a:t>
+              <a:t>2/13/2019</a:t>
             </a:fld>
             <a:endParaRPr lang="en-US" dirty="0"/>
           </a:p>
@@ -2321,7 +2326,7 @@
           <a:p>
             <a:fld id="{48A87A34-81AB-432B-8DAE-1953F412C126}" type="datetimeFigureOut">
               <a:rPr lang="en-US" dirty="0"/>
-              <a:t>2/11/2019</a:t>
+              <a:t>2/13/2019</a:t>
             </a:fld>
             <a:endParaRPr lang="en-US" dirty="0"/>
           </a:p>
@@ -2762,7 +2767,7 @@
             <a:fld id="{48A87A34-81AB-432B-8DAE-1953F412C126}" type="datetimeFigureOut">
               <a:rPr lang="en-US" dirty="0"/>
               <a:pPr/>
-              <a:t>2/11/2019</a:t>
+              <a:t>2/13/2019</a:t>
             </a:fld>
             <a:endParaRPr lang="en-US" dirty="0"/>
           </a:p>
@@ -3084,7 +3089,7 @@
             <a:fld id="{48A87A34-81AB-432B-8DAE-1953F412C126}" type="datetimeFigureOut">
               <a:rPr lang="en-US" dirty="0"/>
               <a:pPr/>
-              <a:t>2/11/2019</a:t>
+              <a:t>2/13/2019</a:t>
             </a:fld>
             <a:endParaRPr lang="en-US" dirty="0"/>
           </a:p>
@@ -4430,7 +4435,7 @@
         </p:nvSpPr>
         <p:spPr>
           <a:xfrm>
-            <a:off x="4392805" y="2804827"/>
+            <a:off x="4324118" y="2804827"/>
             <a:ext cx="1316334" cy="523220"/>
           </a:xfrm>
           <a:prstGeom prst="rect">
@@ -4524,7 +4529,7 @@
         </p:nvSpPr>
         <p:spPr>
           <a:xfrm>
-            <a:off x="4392805" y="4833256"/>
+            <a:off x="4354169" y="4922000"/>
             <a:ext cx="1316334" cy="523220"/>
           </a:xfrm>
           <a:prstGeom prst="rect">
@@ -4546,6 +4551,177 @@
           </a:p>
         </p:txBody>
       </p:sp>
+      <p:cxnSp>
+        <p:nvCxnSpPr>
+          <p:cNvPr id="12" name="직선 연결선 11">
+            <a:extLst>
+              <a:ext uri="{FF2B5EF4-FFF2-40B4-BE49-F238E27FC236}">
+                <a16:creationId xmlns:a16="http://schemas.microsoft.com/office/drawing/2014/main" id="{271E0274-88FC-4294-BAF7-967D60A961F3}"/>
+              </a:ext>
+            </a:extLst>
+          </p:cNvPr>
+          <p:cNvCxnSpPr>
+            <a:stCxn id="7" idx="3"/>
+          </p:cNvCxnSpPr>
+          <p:nvPr/>
+        </p:nvCxnSpPr>
+        <p:spPr>
+          <a:xfrm flipV="1">
+            <a:off x="5819671" y="3155181"/>
+            <a:ext cx="1439721" cy="1"/>
+          </a:xfrm>
+          <a:prstGeom prst="line">
+            <a:avLst/>
+          </a:prstGeom>
+        </p:spPr>
+        <p:style>
+          <a:lnRef idx="1">
+            <a:schemeClr val="accent1"/>
+          </a:lnRef>
+          <a:fillRef idx="0">
+            <a:schemeClr val="accent1"/>
+          </a:fillRef>
+          <a:effectRef idx="0">
+            <a:schemeClr val="accent1"/>
+          </a:effectRef>
+          <a:fontRef idx="minor">
+            <a:schemeClr val="tx1"/>
+          </a:fontRef>
+        </p:style>
+      </p:cxnSp>
+      <p:sp>
+        <p:nvSpPr>
+          <p:cNvPr id="14" name="직사각형 13">
+            <a:extLst>
+              <a:ext uri="{FF2B5EF4-FFF2-40B4-BE49-F238E27FC236}">
+                <a16:creationId xmlns:a16="http://schemas.microsoft.com/office/drawing/2014/main" id="{AAEE3EE1-C125-42BC-9B22-CD07E1BD3B69}"/>
+              </a:ext>
+            </a:extLst>
+          </p:cNvPr>
+          <p:cNvSpPr/>
+          <p:nvPr/>
+        </p:nvSpPr>
+        <p:spPr>
+          <a:xfrm>
+            <a:off x="7259392" y="2316144"/>
+            <a:ext cx="1889090" cy="1678075"/>
+          </a:xfrm>
+          <a:prstGeom prst="rect">
+            <a:avLst/>
+          </a:prstGeom>
+          <a:solidFill>
+            <a:schemeClr val="bg2">
+              <a:lumMod val="90000"/>
+            </a:schemeClr>
+          </a:solidFill>
+          <a:ln>
+            <a:solidFill>
+              <a:schemeClr val="bg2">
+                <a:lumMod val="10000"/>
+              </a:schemeClr>
+            </a:solidFill>
+          </a:ln>
+        </p:spPr>
+        <p:style>
+          <a:lnRef idx="2">
+            <a:schemeClr val="accent1">
+              <a:shade val="50000"/>
+            </a:schemeClr>
+          </a:lnRef>
+          <a:fillRef idx="1">
+            <a:schemeClr val="accent1"/>
+          </a:fillRef>
+          <a:effectRef idx="0">
+            <a:schemeClr val="accent1"/>
+          </a:effectRef>
+          <a:fontRef idx="minor">
+            <a:schemeClr val="lt1"/>
+          </a:fontRef>
+        </p:style>
+        <p:txBody>
+          <a:bodyPr rtlCol="0" anchor="ctr"/>
+          <a:lstStyle/>
+          <a:p>
+            <a:pPr algn="ctr"/>
+            <a:endParaRPr lang="ko-KR" altLang="en-US"/>
+          </a:p>
+        </p:txBody>
+      </p:sp>
+      <p:sp>
+        <p:nvSpPr>
+          <p:cNvPr id="15" name="TextBox 14">
+            <a:extLst>
+              <a:ext uri="{FF2B5EF4-FFF2-40B4-BE49-F238E27FC236}">
+                <a16:creationId xmlns:a16="http://schemas.microsoft.com/office/drawing/2014/main" id="{0FC0FC6D-7918-4D8C-B8E5-9F93120BA0D9}"/>
+              </a:ext>
+            </a:extLst>
+          </p:cNvPr>
+          <p:cNvSpPr txBox="1"/>
+          <p:nvPr/>
+        </p:nvSpPr>
+        <p:spPr>
+          <a:xfrm>
+            <a:off x="7545770" y="2804827"/>
+            <a:ext cx="1316334" cy="523220"/>
+          </a:xfrm>
+          <a:prstGeom prst="rect">
+            <a:avLst/>
+          </a:prstGeom>
+          <a:noFill/>
+        </p:spPr>
+        <p:txBody>
+          <a:bodyPr wrap="square" rtlCol="0">
+            <a:spAutoFit/>
+          </a:bodyPr>
+          <a:lstStyle/>
+          <a:p>
+            <a:r>
+              <a:rPr lang="en-US" altLang="ko-KR" sz="2800" dirty="0"/>
+              <a:t>interest</a:t>
+            </a:r>
+            <a:endParaRPr lang="ko-KR" altLang="en-US" sz="2800" dirty="0"/>
+          </a:p>
+        </p:txBody>
+      </p:sp>
+      <p:cxnSp>
+        <p:nvCxnSpPr>
+          <p:cNvPr id="17" name="직선 연결선 16">
+            <a:extLst>
+              <a:ext uri="{FF2B5EF4-FFF2-40B4-BE49-F238E27FC236}">
+                <a16:creationId xmlns:a16="http://schemas.microsoft.com/office/drawing/2014/main" id="{8B4C8B6C-BB5F-4963-B461-727E830A9090}"/>
+              </a:ext>
+            </a:extLst>
+          </p:cNvPr>
+          <p:cNvCxnSpPr>
+            <a:cxnSpLocks/>
+            <a:stCxn id="14" idx="3"/>
+          </p:cNvCxnSpPr>
+          <p:nvPr/>
+        </p:nvCxnSpPr>
+        <p:spPr>
+          <a:xfrm flipV="1">
+            <a:off x="9148482" y="3151031"/>
+            <a:ext cx="1107394" cy="4151"/>
+          </a:xfrm>
+          <a:prstGeom prst="line">
+            <a:avLst/>
+          </a:prstGeom>
+        </p:spPr>
+        <p:style>
+          <a:lnRef idx="1">
+            <a:schemeClr val="accent1"/>
+          </a:lnRef>
+          <a:fillRef idx="0">
+            <a:schemeClr val="accent1"/>
+          </a:fillRef>
+          <a:effectRef idx="0">
+            <a:schemeClr val="accent1"/>
+          </a:effectRef>
+          <a:fontRef idx="minor">
+            <a:schemeClr val="tx1"/>
+          </a:fontRef>
+        </p:style>
+      </p:cxnSp>
     </p:spTree>
     <p:extLst>
       <p:ext uri="{BB962C8B-B14F-4D97-AF65-F5344CB8AC3E}">
